--- a/output/ebook.pptx
+++ b/output/ebook.pptx
@@ -5,7 +5,7 @@
     <p:sldMasterId id="2147483660" r:id="rId1"/>
   </p:sldMasterIdLst>
   <p:notesMasterIdLst>
-    <p:notesMasterId r:id="rId24"/>
+    <p:notesMasterId r:id="rId25"/>
   </p:notesMasterIdLst>
   <p:sldIdLst>
     <p:sldId id="257" r:id="rId2"/>
@@ -30,6 +30,7 @@
     <p:sldId id="279" r:id="rId21"/>
     <p:sldId id="280" r:id="rId22"/>
     <p:sldId id="261" r:id="rId23"/>
+    <p:sldId id="281" r:id="rId24"/>
   </p:sldIdLst>
   <p:sldSz cx="9601200" cy="12801600" type="A3"/>
   <p:notesSz cx="6858000" cy="9144000"/>
@@ -128,6 +129,11 @@
       </a:defRPr>
     </a:lvl9pPr>
   </p:defaultTextStyle>
+  <p:extLst>
+    <p:ext uri="{EFAFB233-063F-42B5-8137-9DF3F51BA10A}">
+      <p15:sldGuideLst xmlns:p15="http://schemas.microsoft.com/office/powerpoint/2012/main"/>
+    </p:ext>
+  </p:extLst>
 </p:presentation>
 </file>
 
@@ -9220,6 +9226,281 @@
     <p:extLst>
       <p:ext uri="{BB962C8B-B14F-4D97-AF65-F5344CB8AC3E}">
         <p14:creationId xmlns:p14="http://schemas.microsoft.com/office/powerpoint/2010/main" val="3412482074"/>
+      </p:ext>
+    </p:extLst>
+  </p:cSld>
+  <p:clrMapOvr>
+    <a:masterClrMapping/>
+  </p:clrMapOvr>
+</p:sld>
+</file>
+
+<file path=ppt/slides/slide23.xml><?xml version="1.0" encoding="utf-8"?>
+<p:sld xmlns:a="http://schemas.openxmlformats.org/drawingml/2006/main" xmlns:r="http://schemas.openxmlformats.org/officeDocument/2006/relationships" xmlns:p="http://schemas.openxmlformats.org/presentationml/2006/main">
+  <p:cSld>
+    <p:spTree>
+      <p:nvGrpSpPr>
+        <p:cNvPr id="1" name=""/>
+        <p:cNvGrpSpPr/>
+        <p:nvPr/>
+      </p:nvGrpSpPr>
+      <p:grpSpPr>
+        <a:xfrm>
+          <a:off x="0" y="0"/>
+          <a:ext cx="0" cy="0"/>
+          <a:chOff x="0" y="0"/>
+          <a:chExt cx="0" cy="0"/>
+        </a:xfrm>
+      </p:grpSpPr>
+      <p:pic>
+        <p:nvPicPr>
+          <p:cNvPr id="10" name="Imagem 9">
+            <a:extLst>
+              <a:ext uri="{FF2B5EF4-FFF2-40B4-BE49-F238E27FC236}">
+                <a16:creationId xmlns:a16="http://schemas.microsoft.com/office/drawing/2014/main" id="{1D90B38C-AB7A-4325-B3AA-E7732DEA18A8}"/>
+              </a:ext>
+            </a:extLst>
+          </p:cNvPr>
+          <p:cNvPicPr>
+            <a:picLocks noChangeAspect="1"/>
+          </p:cNvPicPr>
+          <p:nvPr/>
+        </p:nvPicPr>
+        <p:blipFill>
+          <a:blip r:embed="rId2"/>
+          <a:stretch>
+            <a:fillRect/>
+          </a:stretch>
+        </p:blipFill>
+        <p:spPr>
+          <a:xfrm rot="20787925">
+            <a:off x="903584" y="4193682"/>
+            <a:ext cx="3642676" cy="4877223"/>
+          </a:xfrm>
+          <a:prstGeom prst="rect">
+            <a:avLst/>
+          </a:prstGeom>
+        </p:spPr>
+      </p:pic>
+      <p:pic>
+        <p:nvPicPr>
+          <p:cNvPr id="14" name="Imagem 13">
+            <a:extLst>
+              <a:ext uri="{FF2B5EF4-FFF2-40B4-BE49-F238E27FC236}">
+                <a16:creationId xmlns:a16="http://schemas.microsoft.com/office/drawing/2014/main" id="{38F4E495-60D5-476D-921B-A268CCDB6B5E}"/>
+              </a:ext>
+            </a:extLst>
+          </p:cNvPr>
+          <p:cNvPicPr>
+            <a:picLocks noChangeAspect="1"/>
+          </p:cNvPicPr>
+          <p:nvPr/>
+        </p:nvPicPr>
+        <p:blipFill>
+          <a:blip r:embed="rId3"/>
+          <a:stretch>
+            <a:fillRect/>
+          </a:stretch>
+        </p:blipFill>
+        <p:spPr>
+          <a:xfrm rot="1198565">
+            <a:off x="4671025" y="4448324"/>
+            <a:ext cx="3635055" cy="4877223"/>
+          </a:xfrm>
+          <a:prstGeom prst="rect">
+            <a:avLst/>
+          </a:prstGeom>
+        </p:spPr>
+      </p:pic>
+      <p:sp>
+        <p:nvSpPr>
+          <p:cNvPr id="8" name="Retângulo 7">
+            <a:extLst>
+              <a:ext uri="{FF2B5EF4-FFF2-40B4-BE49-F238E27FC236}">
+                <a16:creationId xmlns:a16="http://schemas.microsoft.com/office/drawing/2014/main" id="{5BAFED03-9A5E-44EA-861D-402810027D4B}"/>
+              </a:ext>
+            </a:extLst>
+          </p:cNvPr>
+          <p:cNvSpPr/>
+          <p:nvPr/>
+        </p:nvSpPr>
+        <p:spPr>
+          <a:xfrm>
+            <a:off x="716171" y="0"/>
+            <a:ext cx="108000" cy="1224000"/>
+          </a:xfrm>
+          <a:prstGeom prst="rect">
+            <a:avLst/>
+          </a:prstGeom>
+          <a:gradFill flip="none" rotWithShape="1">
+            <a:gsLst>
+              <a:gs pos="0">
+                <a:schemeClr val="accent4">
+                  <a:lumMod val="40000"/>
+                  <a:lumOff val="60000"/>
+                </a:schemeClr>
+              </a:gs>
+              <a:gs pos="50000">
+                <a:schemeClr val="accent4">
+                  <a:lumMod val="60000"/>
+                  <a:lumOff val="40000"/>
+                </a:schemeClr>
+              </a:gs>
+              <a:gs pos="100000">
+                <a:srgbClr val="FFFF00"/>
+              </a:gs>
+            </a:gsLst>
+            <a:lin ang="5400000" scaled="1"/>
+            <a:tileRect/>
+          </a:gradFill>
+          <a:ln>
+            <a:noFill/>
+          </a:ln>
+        </p:spPr>
+        <p:style>
+          <a:lnRef idx="2">
+            <a:schemeClr val="accent1">
+              <a:shade val="50000"/>
+            </a:schemeClr>
+          </a:lnRef>
+          <a:fillRef idx="1">
+            <a:schemeClr val="accent1"/>
+          </a:fillRef>
+          <a:effectRef idx="0">
+            <a:schemeClr val="accent1"/>
+          </a:effectRef>
+          <a:fontRef idx="minor">
+            <a:schemeClr val="lt1"/>
+          </a:fontRef>
+        </p:style>
+        <p:txBody>
+          <a:bodyPr rtlCol="0" anchor="ctr"/>
+          <a:lstStyle/>
+          <a:p>
+            <a:pPr algn="ctr"/>
+            <a:endParaRPr lang="pt-BR">
+              <a:gradFill flip="none" rotWithShape="1">
+                <a:gsLst>
+                  <a:gs pos="0">
+                    <a:srgbClr val="00B0F0"/>
+                  </a:gs>
+                  <a:gs pos="74000">
+                    <a:schemeClr val="accent1">
+                      <a:lumMod val="45000"/>
+                      <a:lumOff val="55000"/>
+                    </a:schemeClr>
+                  </a:gs>
+                  <a:gs pos="83000">
+                    <a:schemeClr val="accent1">
+                      <a:lumMod val="45000"/>
+                      <a:lumOff val="55000"/>
+                    </a:schemeClr>
+                  </a:gs>
+                  <a:gs pos="100000">
+                    <a:schemeClr val="accent1">
+                      <a:lumMod val="30000"/>
+                      <a:lumOff val="70000"/>
+                    </a:schemeClr>
+                  </a:gs>
+                </a:gsLst>
+                <a:lin ang="10800000" scaled="1"/>
+                <a:tileRect/>
+              </a:gradFill>
+            </a:endParaRPr>
+          </a:p>
+        </p:txBody>
+      </p:sp>
+      <p:sp>
+        <p:nvSpPr>
+          <p:cNvPr id="2" name="Espaço Reservado para Rodapé 1">
+            <a:extLst>
+              <a:ext uri="{FF2B5EF4-FFF2-40B4-BE49-F238E27FC236}">
+                <a16:creationId xmlns:a16="http://schemas.microsoft.com/office/drawing/2014/main" id="{0466FAFF-3B50-450F-810C-B2D3E44E0CCC}"/>
+              </a:ext>
+            </a:extLst>
+          </p:cNvPr>
+          <p:cNvSpPr>
+            <a:spLocks noGrp="1"/>
+          </p:cNvSpPr>
+          <p:nvPr>
+            <p:ph type="ftr" sz="quarter" idx="11"/>
+          </p:nvPr>
+        </p:nvSpPr>
+        <p:spPr/>
+        <p:txBody>
+          <a:bodyPr/>
+          <a:lstStyle/>
+          <a:p>
+            <a:r>
+              <a:rPr lang="pt-BR"/>
+              <a:t>Tailwindcss e Manto Filosofal da Elegância no Frontend - Silvio Watakabe</a:t>
+            </a:r>
+          </a:p>
+        </p:txBody>
+      </p:sp>
+      <p:sp>
+        <p:nvSpPr>
+          <p:cNvPr id="3" name="Espaço Reservado para Número de Slide 2">
+            <a:extLst>
+              <a:ext uri="{FF2B5EF4-FFF2-40B4-BE49-F238E27FC236}">
+                <a16:creationId xmlns:a16="http://schemas.microsoft.com/office/drawing/2014/main" id="{13009550-3DC5-4061-995B-813408C90BC5}"/>
+              </a:ext>
+            </a:extLst>
+          </p:cNvPr>
+          <p:cNvSpPr>
+            <a:spLocks noGrp="1"/>
+          </p:cNvSpPr>
+          <p:nvPr>
+            <p:ph type="sldNum" sz="quarter" idx="12"/>
+          </p:nvPr>
+        </p:nvSpPr>
+        <p:spPr/>
+        <p:txBody>
+          <a:bodyPr/>
+          <a:lstStyle/>
+          <a:p>
+            <a:fld id="{12B3FE77-E11B-45B9-8F74-EB70AF1FE5C9}" type="slidenum">
+              <a:rPr lang="pt-BR" smtClean="0"/>
+              <a:t>23</a:t>
+            </a:fld>
+            <a:endParaRPr lang="pt-BR"/>
+          </a:p>
+        </p:txBody>
+      </p:sp>
+      <p:pic>
+        <p:nvPicPr>
+          <p:cNvPr id="7" name="Imagem 6">
+            <a:extLst>
+              <a:ext uri="{FF2B5EF4-FFF2-40B4-BE49-F238E27FC236}">
+                <a16:creationId xmlns:a16="http://schemas.microsoft.com/office/drawing/2014/main" id="{793140F9-BCF4-463E-A042-704310780500}"/>
+              </a:ext>
+            </a:extLst>
+          </p:cNvPr>
+          <p:cNvPicPr>
+            <a:picLocks noChangeAspect="1"/>
+          </p:cNvPicPr>
+          <p:nvPr/>
+        </p:nvPicPr>
+        <p:blipFill>
+          <a:blip r:embed="rId4"/>
+          <a:stretch>
+            <a:fillRect/>
+          </a:stretch>
+        </p:blipFill>
+        <p:spPr>
+          <a:xfrm rot="269476">
+            <a:off x="2673622" y="3827309"/>
+            <a:ext cx="3629532" cy="4877481"/>
+          </a:xfrm>
+          <a:prstGeom prst="rect">
+            <a:avLst/>
+          </a:prstGeom>
+        </p:spPr>
+      </p:pic>
+    </p:spTree>
+    <p:extLst>
+      <p:ext uri="{BB962C8B-B14F-4D97-AF65-F5344CB8AC3E}">
+        <p14:creationId xmlns:p14="http://schemas.microsoft.com/office/powerpoint/2010/main" val="136435830"/>
       </p:ext>
     </p:extLst>
   </p:cSld>
